--- a/FormationGitGithub.pptx
+++ b/FormationGitGithub.pptx
@@ -4132,7 +4132,7 @@
         <p:spPr>
           <a:xfrm>
             <a:off x="0" y="6400800"/>
-            <a:ext cx="12190680" cy="455760"/>
+            <a:ext cx="12190320" cy="455400"/>
           </a:xfrm>
           <a:prstGeom prst="rect">
             <a:avLst/>
@@ -4168,7 +4168,7 @@
         <p:spPr>
           <a:xfrm>
             <a:off x="0" y="6334200"/>
-            <a:ext cx="12190680" cy="64440"/>
+            <a:ext cx="12190320" cy="64080"/>
           </a:xfrm>
           <a:prstGeom prst="rect">
             <a:avLst/>
@@ -4241,7 +4241,7 @@
         <p:spPr>
           <a:xfrm>
             <a:off x="3240" y="6400800"/>
-            <a:ext cx="12187440" cy="455760"/>
+            <a:ext cx="12187080" cy="455400"/>
           </a:xfrm>
           <a:prstGeom prst="rect">
             <a:avLst/>
@@ -4277,7 +4277,7 @@
         <p:spPr>
           <a:xfrm>
             <a:off x="0" y="6334200"/>
-            <a:ext cx="12187440" cy="62640"/>
+            <a:ext cx="12187080" cy="62280"/>
           </a:xfrm>
           <a:prstGeom prst="rect">
             <a:avLst/>
@@ -4610,7 +4610,7 @@
         <p:spPr>
           <a:xfrm>
             <a:off x="0" y="6400800"/>
-            <a:ext cx="12190680" cy="455760"/>
+            <a:ext cx="12190320" cy="455400"/>
           </a:xfrm>
           <a:prstGeom prst="rect">
             <a:avLst/>
@@ -4646,7 +4646,7 @@
         <p:spPr>
           <a:xfrm>
             <a:off x="0" y="6334200"/>
-            <a:ext cx="12190680" cy="64440"/>
+            <a:ext cx="12190320" cy="64080"/>
           </a:xfrm>
           <a:prstGeom prst="rect">
             <a:avLst/>
@@ -4979,7 +4979,7 @@
         <p:spPr>
           <a:xfrm>
             <a:off x="0" y="6400800"/>
-            <a:ext cx="12190680" cy="455760"/>
+            <a:ext cx="12190320" cy="455400"/>
           </a:xfrm>
           <a:prstGeom prst="rect">
             <a:avLst/>
@@ -5015,7 +5015,7 @@
         <p:spPr>
           <a:xfrm>
             <a:off x="0" y="6334200"/>
-            <a:ext cx="12190680" cy="64440"/>
+            <a:ext cx="12190320" cy="64080"/>
           </a:xfrm>
           <a:prstGeom prst="rect">
             <a:avLst/>
@@ -5088,7 +5088,7 @@
         <p:spPr>
           <a:xfrm>
             <a:off x="0" y="0"/>
-            <a:ext cx="4049280" cy="6856560"/>
+            <a:ext cx="4048920" cy="6856200"/>
           </a:xfrm>
           <a:prstGeom prst="rect">
             <a:avLst/>
@@ -5124,7 +5124,7 @@
         <p:spPr>
           <a:xfrm>
             <a:off x="4039920" y="0"/>
-            <a:ext cx="62640" cy="6856560"/>
+            <a:ext cx="62280" cy="6856200"/>
           </a:xfrm>
           <a:prstGeom prst="rect">
             <a:avLst/>
@@ -5413,7 +5413,7 @@
         <p:spPr>
           <a:xfrm>
             <a:off x="1523880" y="1122480"/>
-            <a:ext cx="9142560" cy="2305080"/>
+            <a:ext cx="9142200" cy="2304720"/>
           </a:xfrm>
           <a:prstGeom prst="rect">
             <a:avLst/>
@@ -5464,7 +5464,7 @@
         <p:spPr>
           <a:xfrm>
             <a:off x="1100160" y="4455720"/>
-            <a:ext cx="10056960" cy="1141560"/>
+            <a:ext cx="10056600" cy="1141200"/>
           </a:xfrm>
           <a:prstGeom prst="rect">
             <a:avLst/>
@@ -5500,7 +5500,7 @@
               </a:tabLst>
             </a:pPr>
             <a:r>
-              <a:rPr b="0" lang="de-DE" sz="2400" spc="191" strike="noStrike" cap="all">
+              <a:rPr b="0" lang="de-DE" sz="2400" spc="188" strike="noStrike" cap="all">
                 <a:solidFill>
                   <a:srgbClr val="637052"/>
                 </a:solidFill>
@@ -5529,7 +5529,7 @@
               </a:tabLst>
             </a:pPr>
             <a:r>
-              <a:rPr b="0" lang="de-DE" sz="2400" spc="191" strike="noStrike" cap="all">
+              <a:rPr b="0" lang="de-DE" sz="2400" spc="188" strike="noStrike" cap="all">
                 <a:solidFill>
                   <a:srgbClr val="637052"/>
                 </a:solidFill>
@@ -5558,7 +5558,7 @@
               </a:tabLst>
             </a:pPr>
             <a:r>
-              <a:rPr b="0" lang="de-DE" sz="1300" spc="191" strike="noStrike" cap="all">
+              <a:rPr b="0" lang="de-DE" sz="1300" spc="188" strike="noStrike" cap="all">
                 <a:solidFill>
                   <a:srgbClr val="637052"/>
                 </a:solidFill>
@@ -5587,7 +5587,7 @@
               </a:tabLst>
             </a:pPr>
             <a:r>
-              <a:rPr b="0" lang="de-DE" sz="1300" spc="191" strike="noStrike" cap="all">
+              <a:rPr b="0" lang="de-DE" sz="1300" spc="188" strike="noStrike" cap="all">
                 <a:solidFill>
                   <a:srgbClr val="637052"/>
                 </a:solidFill>
@@ -5615,7 +5615,7 @@
         <p:spPr>
           <a:xfrm>
             <a:off x="1100160" y="651240"/>
-            <a:ext cx="1713240" cy="932040"/>
+            <a:ext cx="1712880" cy="931680"/>
           </a:xfrm>
           <a:prstGeom prst="rect">
             <a:avLst/>
@@ -5638,7 +5638,7 @@
         <p:spPr>
           <a:xfrm>
             <a:off x="5018040" y="655560"/>
-            <a:ext cx="2221200" cy="927360"/>
+            <a:ext cx="2220840" cy="927000"/>
           </a:xfrm>
           <a:prstGeom prst="rect">
             <a:avLst/>
@@ -5661,7 +5661,7 @@
         <p:spPr>
           <a:xfrm>
             <a:off x="9509760" y="656280"/>
-            <a:ext cx="1647360" cy="930960"/>
+            <a:ext cx="1647000" cy="930600"/>
           </a:xfrm>
           <a:prstGeom prst="rect">
             <a:avLst/>
@@ -5710,7 +5710,7 @@
         <p:spPr>
           <a:xfrm>
             <a:off x="457200" y="594360"/>
-            <a:ext cx="3198960" cy="1090440"/>
+            <a:ext cx="3198600" cy="1090080"/>
           </a:xfrm>
           <a:prstGeom prst="rect">
             <a:avLst/>
@@ -5766,7 +5766,7 @@
         <p:spPr>
           <a:xfrm>
             <a:off x="5821920" y="1284480"/>
-            <a:ext cx="4433040" cy="1090440"/>
+            <a:ext cx="4432680" cy="1090080"/>
           </a:xfrm>
           <a:prstGeom prst="rect">
             <a:avLst/>
@@ -5785,7 +5785,7 @@
         <p:spPr>
           <a:xfrm>
             <a:off x="457200" y="1870920"/>
-            <a:ext cx="3198960" cy="4433040"/>
+            <a:ext cx="3198600" cy="4432680"/>
           </a:xfrm>
           <a:prstGeom prst="rect">
             <a:avLst/>
@@ -6048,7 +6048,7 @@
         <p:spPr>
           <a:xfrm>
             <a:off x="5904000" y="2757240"/>
-            <a:ext cx="4433040" cy="985680"/>
+            <a:ext cx="4432680" cy="985320"/>
           </a:xfrm>
           <a:prstGeom prst="rect">
             <a:avLst/>
@@ -6071,7 +6071,7 @@
         <p:spPr>
           <a:xfrm>
             <a:off x="5832000" y="4464000"/>
-            <a:ext cx="4797360" cy="1150920"/>
+            <a:ext cx="4797000" cy="1150560"/>
           </a:xfrm>
           <a:prstGeom prst="rect">
             <a:avLst/>
@@ -6120,7 +6120,7 @@
         <p:spPr>
           <a:xfrm>
             <a:off x="457200" y="1800000"/>
-            <a:ext cx="3198960" cy="4935600"/>
+            <a:ext cx="3198600" cy="4935240"/>
           </a:xfrm>
           <a:prstGeom prst="rect">
             <a:avLst/>
@@ -6319,7 +6319,7 @@
         <p:spPr>
           <a:xfrm>
             <a:off x="5094720" y="2228760"/>
-            <a:ext cx="5704560" cy="3132720"/>
+            <a:ext cx="5704200" cy="3132360"/>
           </a:xfrm>
           <a:prstGeom prst="rect">
             <a:avLst/>
@@ -6338,7 +6338,7 @@
         <p:spPr>
           <a:xfrm>
             <a:off x="457200" y="774360"/>
-            <a:ext cx="3198960" cy="1090440"/>
+            <a:ext cx="3198600" cy="1090080"/>
           </a:xfrm>
           <a:prstGeom prst="rect">
             <a:avLst/>
@@ -6419,7 +6419,7 @@
         <p:spPr>
           <a:xfrm>
             <a:off x="457200" y="594360"/>
-            <a:ext cx="3198960" cy="556920"/>
+            <a:ext cx="3198600" cy="556560"/>
           </a:xfrm>
           <a:prstGeom prst="rect">
             <a:avLst/>
@@ -6480,7 +6480,7 @@
         <p:spPr>
           <a:xfrm>
             <a:off x="457200" y="1368000"/>
-            <a:ext cx="3198960" cy="4935600"/>
+            <a:ext cx="3198600" cy="4935240"/>
           </a:xfrm>
           <a:prstGeom prst="rect">
             <a:avLst/>
@@ -6787,7 +6787,7 @@
         <p:spPr>
           <a:xfrm>
             <a:off x="4248000" y="566280"/>
-            <a:ext cx="1943280" cy="5875560"/>
+            <a:ext cx="1942920" cy="5875200"/>
           </a:xfrm>
           <a:prstGeom prst="rect">
             <a:avLst/>
@@ -6811,7 +6811,7 @@
         <p:spPr>
           <a:xfrm>
             <a:off x="6208200" y="540000"/>
-            <a:ext cx="5959080" cy="1799280"/>
+            <a:ext cx="5958720" cy="1798920"/>
           </a:xfrm>
           <a:prstGeom prst="rect">
             <a:avLst/>
@@ -6834,7 +6834,7 @@
         <p:spPr>
           <a:xfrm>
             <a:off x="6192000" y="2336040"/>
-            <a:ext cx="5687280" cy="4093560"/>
+            <a:ext cx="5686920" cy="4093200"/>
           </a:xfrm>
           <a:prstGeom prst="rect">
             <a:avLst/>
@@ -6883,7 +6883,7 @@
         <p:spPr>
           <a:xfrm>
             <a:off x="457200" y="486360"/>
-            <a:ext cx="3198960" cy="1040040"/>
+            <a:ext cx="3198600" cy="1039680"/>
           </a:xfrm>
           <a:prstGeom prst="rect">
             <a:avLst/>
@@ -6938,7 +6938,7 @@
         <p:spPr>
           <a:xfrm>
             <a:off x="4440600" y="216000"/>
-            <a:ext cx="6788880" cy="2879280"/>
+            <a:ext cx="6788520" cy="2878920"/>
           </a:xfrm>
           <a:prstGeom prst="rect">
             <a:avLst/>
@@ -6957,7 +6957,7 @@
         <p:spPr>
           <a:xfrm>
             <a:off x="457200" y="1728000"/>
-            <a:ext cx="3198960" cy="4426920"/>
+            <a:ext cx="3198600" cy="4426560"/>
           </a:xfrm>
           <a:prstGeom prst="rect">
             <a:avLst/>
@@ -7235,7 +7235,7 @@
         <p:spPr>
           <a:xfrm>
             <a:off x="8424000" y="3312000"/>
-            <a:ext cx="3167280" cy="2314440"/>
+            <a:ext cx="3166920" cy="2314080"/>
           </a:xfrm>
           <a:prstGeom prst="rect">
             <a:avLst/>
@@ -7258,7 +7258,7 @@
         <p:spPr>
           <a:xfrm>
             <a:off x="4592520" y="3334680"/>
-            <a:ext cx="3674880" cy="2280600"/>
+            <a:ext cx="3674520" cy="2280240"/>
           </a:xfrm>
           <a:prstGeom prst="rect">
             <a:avLst/>
@@ -7307,7 +7307,7 @@
         <p:spPr>
           <a:xfrm>
             <a:off x="457200" y="594360"/>
-            <a:ext cx="3198960" cy="2284560"/>
+            <a:ext cx="3198600" cy="2284200"/>
           </a:xfrm>
           <a:prstGeom prst="rect">
             <a:avLst/>
@@ -7362,7 +7362,7 @@
         <p:spPr>
           <a:xfrm>
             <a:off x="4728600" y="1965960"/>
-            <a:ext cx="6491520" cy="3796200"/>
+            <a:ext cx="6491160" cy="3795840"/>
           </a:xfrm>
           <a:prstGeom prst="rect">
             <a:avLst/>
@@ -7381,7 +7381,7 @@
         <p:spPr>
           <a:xfrm>
             <a:off x="457200" y="2926080"/>
-            <a:ext cx="3198960" cy="3377520"/>
+            <a:ext cx="3198600" cy="3377160"/>
           </a:xfrm>
           <a:prstGeom prst="rect">
             <a:avLst/>
@@ -7520,7 +7520,7 @@
         <p:spPr>
           <a:xfrm>
             <a:off x="457200" y="164880"/>
-            <a:ext cx="3198960" cy="1031760"/>
+            <a:ext cx="3198600" cy="1031400"/>
           </a:xfrm>
           <a:prstGeom prst="rect">
             <a:avLst/>
@@ -7581,7 +7581,7 @@
         <p:spPr>
           <a:xfrm>
             <a:off x="457200" y="1310040"/>
-            <a:ext cx="3198960" cy="2438280"/>
+            <a:ext cx="3198600" cy="2437920"/>
           </a:xfrm>
           <a:prstGeom prst="rect">
             <a:avLst/>
@@ -7820,7 +7820,7 @@
         <p:spPr>
           <a:xfrm>
             <a:off x="4464000" y="1889640"/>
-            <a:ext cx="3615840" cy="4734000"/>
+            <a:ext cx="3615480" cy="4733640"/>
           </a:xfrm>
           <a:prstGeom prst="rect">
             <a:avLst/>
@@ -7843,7 +7843,7 @@
         <p:spPr>
           <a:xfrm>
             <a:off x="457200" y="3861720"/>
-            <a:ext cx="3309480" cy="689040"/>
+            <a:ext cx="3309120" cy="688680"/>
           </a:xfrm>
           <a:prstGeom prst="rect">
             <a:avLst/>
@@ -7862,7 +7862,7 @@
         <p:spPr>
           <a:xfrm>
             <a:off x="457200" y="4664520"/>
-            <a:ext cx="3198960" cy="1899000"/>
+            <a:ext cx="3198600" cy="1898640"/>
           </a:xfrm>
           <a:prstGeom prst="rect">
             <a:avLst/>
@@ -7990,7 +7990,7 @@
         <p:spPr>
           <a:xfrm>
             <a:off x="4512240" y="407160"/>
-            <a:ext cx="6839280" cy="1040040"/>
+            <a:ext cx="6838920" cy="1039680"/>
           </a:xfrm>
           <a:prstGeom prst="rect">
             <a:avLst/>
@@ -8061,7 +8061,7 @@
         <p:spPr>
           <a:xfrm>
             <a:off x="8208000" y="1944000"/>
-            <a:ext cx="3455280" cy="4175640"/>
+            <a:ext cx="3454920" cy="4175280"/>
           </a:xfrm>
           <a:prstGeom prst="rect">
             <a:avLst/>
@@ -8082,7 +8082,7 @@
             <a:noAutofit/>
           </a:bodyPr>
           <a:p>
-            <a:pPr marL="216000" indent="-215640">
+            <a:pPr marL="216000" indent="-215280">
               <a:lnSpc>
                 <a:spcPct val="85000"/>
               </a:lnSpc>
@@ -8138,7 +8138,7 @@
             </a:endParaRPr>
           </a:p>
           <a:p>
-            <a:pPr marL="216000" indent="-215640">
+            <a:pPr marL="216000" indent="-215280">
               <a:lnSpc>
                 <a:spcPct val="85000"/>
               </a:lnSpc>
@@ -8194,7 +8194,7 @@
             </a:endParaRPr>
           </a:p>
           <a:p>
-            <a:pPr marL="216000" indent="-215640">
+            <a:pPr marL="216000" indent="-215280">
               <a:lnSpc>
                 <a:spcPct val="85000"/>
               </a:lnSpc>
@@ -8250,7 +8250,7 @@
             </a:endParaRPr>
           </a:p>
           <a:p>
-            <a:pPr marL="216000" indent="-215640">
+            <a:pPr marL="216000" indent="-215280">
               <a:lnSpc>
                 <a:spcPct val="85000"/>
               </a:lnSpc>
@@ -8326,7 +8326,7 @@
         <p:spPr>
           <a:xfrm>
             <a:off x="4392000" y="471240"/>
-            <a:ext cx="6839280" cy="1040040"/>
+            <a:ext cx="6838920" cy="1039680"/>
           </a:xfrm>
           <a:prstGeom prst="rect">
             <a:avLst/>
@@ -8382,7 +8382,7 @@
         <p:spPr>
           <a:xfrm>
             <a:off x="4436640" y="1958040"/>
-            <a:ext cx="3518280" cy="1709640"/>
+            <a:ext cx="3517920" cy="1709280"/>
           </a:xfrm>
           <a:prstGeom prst="rect">
             <a:avLst/>
@@ -8401,7 +8401,7 @@
         <p:spPr>
           <a:xfrm>
             <a:off x="457200" y="1815840"/>
-            <a:ext cx="3198960" cy="4667760"/>
+            <a:ext cx="3198600" cy="4667400"/>
           </a:xfrm>
           <a:prstGeom prst="rect">
             <a:avLst/>
@@ -8730,7 +8730,7 @@
         <p:spPr>
           <a:xfrm>
             <a:off x="4436640" y="3923280"/>
-            <a:ext cx="3518280" cy="1669320"/>
+            <a:ext cx="3517920" cy="1668960"/>
           </a:xfrm>
           <a:prstGeom prst="rect">
             <a:avLst/>
@@ -8754,7 +8754,7 @@
         <p:spPr>
           <a:xfrm>
             <a:off x="8188920" y="1944000"/>
-            <a:ext cx="3546360" cy="3637800"/>
+            <a:ext cx="3546000" cy="3637440"/>
           </a:xfrm>
           <a:prstGeom prst="rect">
             <a:avLst/>
@@ -8773,7 +8773,7 @@
         <p:spPr>
           <a:xfrm>
             <a:off x="457200" y="549720"/>
-            <a:ext cx="3198960" cy="1040040"/>
+            <a:ext cx="3198600" cy="1039680"/>
           </a:xfrm>
           <a:prstGeom prst="rect">
             <a:avLst/>
@@ -8854,7 +8854,7 @@
         <p:spPr>
           <a:xfrm>
             <a:off x="4432680" y="1944000"/>
-            <a:ext cx="6726960" cy="4667760"/>
+            <a:ext cx="6726600" cy="4667400"/>
           </a:xfrm>
           <a:prstGeom prst="rect">
             <a:avLst/>
@@ -8904,7 +8904,7 @@
             </a:endParaRPr>
           </a:p>
           <a:p>
-            <a:pPr marL="216000" indent="-215640">
+            <a:pPr marL="216000" indent="-215280">
               <a:lnSpc>
                 <a:spcPct val="90000"/>
               </a:lnSpc>
@@ -8948,7 +8948,7 @@
             </a:endParaRPr>
           </a:p>
           <a:p>
-            <a:pPr marL="216000" indent="-215640">
+            <a:pPr marL="216000" indent="-215280">
               <a:lnSpc>
                 <a:spcPct val="90000"/>
               </a:lnSpc>
@@ -8992,7 +8992,7 @@
             </a:endParaRPr>
           </a:p>
           <a:p>
-            <a:pPr marL="216000" indent="-215640">
+            <a:pPr marL="216000" indent="-215280">
               <a:lnSpc>
                 <a:spcPct val="90000"/>
               </a:lnSpc>
@@ -9036,36 +9036,7 @@
             </a:endParaRPr>
           </a:p>
           <a:p>
-            <a:pPr>
-              <a:lnSpc>
-                <a:spcPct val="90000"/>
-              </a:lnSpc>
-              <a:spcBef>
-                <a:spcPts val="1199"/>
-              </a:spcBef>
-              <a:spcAft>
-                <a:spcPts val="201"/>
-              </a:spcAft>
-              <a:tabLst>
-                <a:tab algn="l" pos="0"/>
-              </a:tabLst>
-            </a:pPr>
-            <a:r>
-              <a:rPr b="0" lang="de-DE" sz="1800" spc="-1" strike="noStrike">
-                <a:solidFill>
-                  <a:srgbClr val="000000"/>
-                </a:solidFill>
-                <a:latin typeface="Arial"/>
-                <a:ea typeface="DejaVu Sans"/>
-              </a:rPr>
-              <a:t>Et pour rester à jour avec le repository principal, on va utiliser les commandes suivantes :</a:t>
-            </a:r>
-            <a:endParaRPr b="0" lang="fr-FR" sz="1800" spc="-1" strike="noStrike">
-              <a:latin typeface="Arial"/>
-            </a:endParaRPr>
-          </a:p>
-          <a:p>
-            <a:pPr marL="216000" indent="-215640">
+            <a:pPr marL="216000" indent="-215280">
               <a:lnSpc>
                 <a:spcPct val="90000"/>
               </a:lnSpc>
@@ -9085,6 +9056,16 @@
               </a:tabLst>
             </a:pPr>
             <a:r>
+              <a:rPr b="0" lang="de-DE" sz="1800" spc="-1" strike="noStrike">
+                <a:solidFill>
+                  <a:srgbClr val="000000"/>
+                </a:solidFill>
+                <a:latin typeface="Arial"/>
+                <a:ea typeface="DejaVu Sans"/>
+              </a:rPr>
+              <a:t>En se plaçant dans la branche de destination : </a:t>
+            </a:r>
+            <a:r>
               <a:rPr b="0" i="1" lang="de-DE" sz="1800" spc="-1" strike="noStrike">
                 <a:solidFill>
                   <a:srgbClr val="000000"/>
@@ -9092,14 +9073,53 @@
                 <a:latin typeface="Arial"/>
                 <a:ea typeface="DejaVu Sans"/>
               </a:rPr>
-              <a:t>git pull upstream master</a:t>
+              <a:t>git merge &lt;nom de la brancher à verser&gt;</a:t>
+            </a:r>
+            <a:r>
+              <a:rPr b="0" lang="de-DE" sz="1800" spc="-1" strike="noStrike">
+                <a:solidFill>
+                  <a:srgbClr val="000000"/>
+                </a:solidFill>
+                <a:latin typeface="Arial"/>
+                <a:ea typeface="DejaVu Sans"/>
+              </a:rPr>
+              <a:t> : fusionne deux branches.</a:t>
             </a:r>
             <a:endParaRPr b="0" lang="fr-FR" sz="1800" spc="-1" strike="noStrike">
               <a:latin typeface="Arial"/>
             </a:endParaRPr>
           </a:p>
           <a:p>
-            <a:pPr marL="216000" indent="-215640">
+            <a:pPr>
+              <a:lnSpc>
+                <a:spcPct val="90000"/>
+              </a:lnSpc>
+              <a:spcBef>
+                <a:spcPts val="1199"/>
+              </a:spcBef>
+              <a:spcAft>
+                <a:spcPts val="201"/>
+              </a:spcAft>
+              <a:tabLst>
+                <a:tab algn="l" pos="0"/>
+              </a:tabLst>
+            </a:pPr>
+            <a:r>
+              <a:rPr b="0" lang="de-DE" sz="1800" spc="-1" strike="noStrike">
+                <a:solidFill>
+                  <a:srgbClr val="000000"/>
+                </a:solidFill>
+                <a:latin typeface="Arial"/>
+                <a:ea typeface="DejaVu Sans"/>
+              </a:rPr>
+              <a:t>Et pour rester à jour avec le repository principal, on va utiliser les commandes suivantes :</a:t>
+            </a:r>
+            <a:endParaRPr b="0" lang="fr-FR" sz="1800" spc="-1" strike="noStrike">
+              <a:latin typeface="Arial"/>
+            </a:endParaRPr>
+          </a:p>
+          <a:p>
+            <a:pPr marL="216000" indent="-215280">
               <a:lnSpc>
                 <a:spcPct val="90000"/>
               </a:lnSpc>
@@ -9126,6 +9146,40 @@
                 <a:latin typeface="Arial"/>
                 <a:ea typeface="DejaVu Sans"/>
               </a:rPr>
+              <a:t>git pull upstream master</a:t>
+            </a:r>
+            <a:endParaRPr b="0" lang="fr-FR" sz="1800" spc="-1" strike="noStrike">
+              <a:latin typeface="Arial"/>
+            </a:endParaRPr>
+          </a:p>
+          <a:p>
+            <a:pPr marL="216000" indent="-215280">
+              <a:lnSpc>
+                <a:spcPct val="90000"/>
+              </a:lnSpc>
+              <a:spcBef>
+                <a:spcPts val="1199"/>
+              </a:spcBef>
+              <a:spcAft>
+                <a:spcPts val="201"/>
+              </a:spcAft>
+              <a:buClr>
+                <a:srgbClr val="ffffff"/>
+              </a:buClr>
+              <a:buFont typeface="Wingdings" charset="2"/>
+              <a:buChar char=""/>
+              <a:tabLst>
+                <a:tab algn="l" pos="0"/>
+              </a:tabLst>
+            </a:pPr>
+            <a:r>
+              <a:rPr b="0" i="1" lang="de-DE" sz="1800" spc="-1" strike="noStrike">
+                <a:solidFill>
+                  <a:srgbClr val="000000"/>
+                </a:solidFill>
+                <a:latin typeface="Arial"/>
+                <a:ea typeface="DejaVu Sans"/>
+              </a:rPr>
               <a:t>git push origin master</a:t>
             </a:r>
             <a:endParaRPr b="0" lang="fr-FR" sz="1800" spc="-1" strike="noStrike">
@@ -9162,7 +9216,7 @@
         <p:spPr>
           <a:xfrm>
             <a:off x="457200" y="549720"/>
-            <a:ext cx="3198960" cy="3481920"/>
+            <a:ext cx="3198600" cy="3481560"/>
           </a:xfrm>
           <a:prstGeom prst="rect">
             <a:avLst/>
@@ -9243,7 +9297,7 @@
         <p:spPr>
           <a:xfrm>
             <a:off x="457200" y="1815840"/>
-            <a:ext cx="3198960" cy="4667760"/>
+            <a:ext cx="3198600" cy="4667400"/>
           </a:xfrm>
           <a:prstGeom prst="rect">
             <a:avLst/>
@@ -9420,7 +9474,7 @@
             </a:endParaRPr>
           </a:p>
           <a:p>
-            <a:pPr lvl="1" marL="432000" indent="-215280">
+            <a:pPr lvl="1" marL="432000" indent="-214920">
               <a:lnSpc>
                 <a:spcPct val="90000"/>
               </a:lnSpc>
@@ -9455,7 +9509,7 @@
             </a:endParaRPr>
           </a:p>
           <a:p>
-            <a:pPr lvl="1" marL="432000" indent="-215280">
+            <a:pPr lvl="1" marL="432000" indent="-214920">
               <a:lnSpc>
                 <a:spcPct val="90000"/>
               </a:lnSpc>
@@ -9490,7 +9544,7 @@
             </a:endParaRPr>
           </a:p>
           <a:p>
-            <a:pPr lvl="1" marL="432000" indent="-215280">
+            <a:pPr lvl="1" marL="432000" indent="-214920">
               <a:lnSpc>
                 <a:spcPct val="90000"/>
               </a:lnSpc>
@@ -9525,7 +9579,7 @@
             </a:endParaRPr>
           </a:p>
           <a:p>
-            <a:pPr lvl="1" marL="432000" indent="-215280">
+            <a:pPr lvl="1" marL="432000" indent="-214920">
               <a:lnSpc>
                 <a:spcPct val="90000"/>
               </a:lnSpc>
@@ -9649,7 +9703,7 @@
         <p:spPr>
           <a:xfrm>
             <a:off x="457200" y="693720"/>
-            <a:ext cx="3198960" cy="1040040"/>
+            <a:ext cx="3198600" cy="1039680"/>
           </a:xfrm>
           <a:prstGeom prst="rect">
             <a:avLst/>
@@ -9705,7 +9759,7 @@
         <p:spPr>
           <a:xfrm>
             <a:off x="7596000" y="1895760"/>
-            <a:ext cx="4187520" cy="4583520"/>
+            <a:ext cx="4187160" cy="4583160"/>
           </a:xfrm>
           <a:prstGeom prst="rect">
             <a:avLst/>
@@ -9724,7 +9778,7 @@
         <p:spPr>
           <a:xfrm>
             <a:off x="4512240" y="407160"/>
-            <a:ext cx="6839280" cy="1040040"/>
+            <a:ext cx="6838920" cy="1039680"/>
           </a:xfrm>
           <a:prstGeom prst="rect">
             <a:avLst/>
@@ -9795,7 +9849,7 @@
         <p:spPr>
           <a:xfrm>
             <a:off x="4176000" y="1872000"/>
-            <a:ext cx="3311280" cy="3743640"/>
+            <a:ext cx="3310920" cy="3743280"/>
           </a:xfrm>
           <a:prstGeom prst="rect">
             <a:avLst/>
@@ -9816,7 +9870,7 @@
             <a:noAutofit/>
           </a:bodyPr>
           <a:p>
-            <a:pPr marL="216000" indent="-215280">
+            <a:pPr marL="216000" indent="-214920">
               <a:lnSpc>
                 <a:spcPct val="85000"/>
               </a:lnSpc>
@@ -9842,7 +9896,7 @@
             </a:endParaRPr>
           </a:p>
           <a:p>
-            <a:pPr marL="216000" indent="-215280">
+            <a:pPr marL="216000" indent="-214920">
               <a:lnSpc>
                 <a:spcPct val="85000"/>
               </a:lnSpc>
@@ -9868,7 +9922,7 @@
             </a:endParaRPr>
           </a:p>
           <a:p>
-            <a:pPr marL="216000" indent="-215280">
+            <a:pPr marL="216000" indent="-214920">
               <a:lnSpc>
                 <a:spcPct val="85000"/>
               </a:lnSpc>
@@ -9894,7 +9948,7 @@
             </a:endParaRPr>
           </a:p>
           <a:p>
-            <a:pPr marL="216000" indent="-215280">
+            <a:pPr marL="216000" indent="-214920">
               <a:lnSpc>
                 <a:spcPct val="85000"/>
               </a:lnSpc>
@@ -9930,7 +9984,7 @@
             </a:endParaRPr>
           </a:p>
           <a:p>
-            <a:pPr marL="216000" indent="-215280">
+            <a:pPr marL="216000" indent="-214920">
               <a:lnSpc>
                 <a:spcPct val="85000"/>
               </a:lnSpc>
@@ -10016,7 +10070,7 @@
         <p:spPr>
           <a:xfrm>
             <a:off x="1097280" y="286560"/>
-            <a:ext cx="10056960" cy="1449360"/>
+            <a:ext cx="10056600" cy="1449000"/>
           </a:xfrm>
           <a:prstGeom prst="rect">
             <a:avLst/>
@@ -10067,7 +10121,7 @@
         <p:spPr>
           <a:xfrm>
             <a:off x="1097280" y="1845720"/>
-            <a:ext cx="10056960" cy="4021920"/>
+            <a:ext cx="10056600" cy="4021560"/>
           </a:xfrm>
           <a:prstGeom prst="rect">
             <a:avLst/>
@@ -10088,7 +10142,7 @@
             <a:noAutofit/>
           </a:bodyPr>
           <a:p>
-            <a:pPr marL="91440" indent="-90000">
+            <a:pPr marL="91440" indent="-89640">
               <a:lnSpc>
                 <a:spcPct val="90000"/>
               </a:lnSpc>
@@ -10119,7 +10173,7 @@
             </a:endParaRPr>
           </a:p>
           <a:p>
-            <a:pPr marL="91440" indent="-90000">
+            <a:pPr marL="91440" indent="-89640">
               <a:lnSpc>
                 <a:spcPct val="90000"/>
               </a:lnSpc>
@@ -10150,7 +10204,7 @@
             </a:endParaRPr>
           </a:p>
           <a:p>
-            <a:pPr marL="91440" indent="-90000">
+            <a:pPr marL="91440" indent="-89640">
               <a:lnSpc>
                 <a:spcPct val="90000"/>
               </a:lnSpc>
@@ -10203,7 +10257,7 @@
             </a:endParaRPr>
           </a:p>
           <a:p>
-            <a:pPr marL="91440" indent="-90000">
+            <a:pPr marL="91440" indent="-89640">
               <a:lnSpc>
                 <a:spcPct val="90000"/>
               </a:lnSpc>
@@ -10254,7 +10308,7 @@
             </a:endParaRPr>
           </a:p>
           <a:p>
-            <a:pPr marL="91440" indent="-90000">
+            <a:pPr marL="91440" indent="-89640">
               <a:lnSpc>
                 <a:spcPct val="90000"/>
               </a:lnSpc>
@@ -10307,7 +10361,7 @@
             </a:endParaRPr>
           </a:p>
           <a:p>
-            <a:pPr marL="91440" indent="-90000">
+            <a:pPr marL="91440" indent="-89640">
               <a:lnSpc>
                 <a:spcPct val="90000"/>
               </a:lnSpc>
@@ -10338,7 +10392,7 @@
             </a:endParaRPr>
           </a:p>
           <a:p>
-            <a:pPr marL="91440" indent="-90000">
+            <a:pPr marL="91440" indent="-89640">
               <a:lnSpc>
                 <a:spcPct val="90000"/>
               </a:lnSpc>
@@ -10409,7 +10463,7 @@
         <p:spPr>
           <a:xfrm>
             <a:off x="1097280" y="286560"/>
-            <a:ext cx="10056960" cy="1449360"/>
+            <a:ext cx="10056600" cy="1449000"/>
           </a:xfrm>
           <a:prstGeom prst="rect">
             <a:avLst/>
@@ -10460,7 +10514,7 @@
         <p:spPr>
           <a:xfrm>
             <a:off x="1097280" y="2095200"/>
-            <a:ext cx="4664520" cy="3522960"/>
+            <a:ext cx="4664160" cy="3522600"/>
           </a:xfrm>
           <a:prstGeom prst="rect">
             <a:avLst/>
@@ -10481,7 +10535,7 @@
             <a:normAutofit fontScale="51000"/>
           </a:bodyPr>
           <a:p>
-            <a:pPr marL="91440" indent="-90000">
+            <a:pPr marL="91440" indent="-89640">
               <a:lnSpc>
                 <a:spcPct val="90000"/>
               </a:lnSpc>
@@ -10512,7 +10566,7 @@
             </a:endParaRPr>
           </a:p>
           <a:p>
-            <a:pPr marL="91440" indent="-90000">
+            <a:pPr marL="91440" indent="-89640">
               <a:lnSpc>
                 <a:spcPct val="90000"/>
               </a:lnSpc>
@@ -10543,7 +10597,7 @@
             </a:endParaRPr>
           </a:p>
           <a:p>
-            <a:pPr marL="91440" indent="-90000">
+            <a:pPr marL="91440" indent="-89640">
               <a:lnSpc>
                 <a:spcPct val="90000"/>
               </a:lnSpc>
@@ -10574,7 +10628,7 @@
             </a:endParaRPr>
           </a:p>
           <a:p>
-            <a:pPr marL="91440" indent="-90000">
+            <a:pPr marL="91440" indent="-89640">
               <a:lnSpc>
                 <a:spcPct val="90000"/>
               </a:lnSpc>
@@ -10635,7 +10689,7 @@
         <p:spPr>
           <a:xfrm>
             <a:off x="5954760" y="2095200"/>
-            <a:ext cx="5951520" cy="3522960"/>
+            <a:ext cx="5951160" cy="3522600"/>
           </a:xfrm>
           <a:prstGeom prst="rect">
             <a:avLst/>
@@ -10654,7 +10708,7 @@
         <p:spPr>
           <a:xfrm>
             <a:off x="6126480" y="5619600"/>
-            <a:ext cx="4970880" cy="454680"/>
+            <a:ext cx="4970520" cy="454680"/>
           </a:xfrm>
           <a:prstGeom prst="rect">
             <a:avLst/>
@@ -10739,7 +10793,7 @@
         <p:spPr>
           <a:xfrm>
             <a:off x="873360" y="1950840"/>
-            <a:ext cx="4970880" cy="2954880"/>
+            <a:ext cx="4970520" cy="2954520"/>
           </a:xfrm>
           <a:prstGeom prst="rect">
             <a:avLst/>
@@ -10762,7 +10816,7 @@
         <p:spPr>
           <a:xfrm>
             <a:off x="6346080" y="1950840"/>
-            <a:ext cx="4970880" cy="2954880"/>
+            <a:ext cx="4970520" cy="2954520"/>
           </a:xfrm>
           <a:prstGeom prst="rect">
             <a:avLst/>
@@ -10781,7 +10835,7 @@
         <p:spPr>
           <a:xfrm>
             <a:off x="873360" y="5058720"/>
-            <a:ext cx="4970880" cy="637200"/>
+            <a:ext cx="4970520" cy="637200"/>
           </a:xfrm>
           <a:prstGeom prst="rect">
             <a:avLst/>
@@ -10832,7 +10886,7 @@
         <p:spPr>
           <a:xfrm>
             <a:off x="6346080" y="5058720"/>
-            <a:ext cx="4970880" cy="637200"/>
+            <a:ext cx="4970520" cy="637200"/>
           </a:xfrm>
           <a:prstGeom prst="rect">
             <a:avLst/>
@@ -10883,7 +10937,7 @@
         <p:spPr>
           <a:xfrm>
             <a:off x="1097280" y="286560"/>
-            <a:ext cx="10056960" cy="1449360"/>
+            <a:ext cx="10056600" cy="1449000"/>
           </a:xfrm>
           <a:prstGeom prst="rect">
             <a:avLst/>
@@ -10964,7 +11018,7 @@
         <p:spPr>
           <a:xfrm>
             <a:off x="1097280" y="286560"/>
-            <a:ext cx="10056960" cy="1449360"/>
+            <a:ext cx="10056600" cy="1449000"/>
           </a:xfrm>
           <a:prstGeom prst="rect">
             <a:avLst/>
@@ -10998,7 +11052,7 @@
                 <a:latin typeface="Calibri Light"/>
                 <a:ea typeface="DejaVu Sans"/>
               </a:rPr>
-              <a:t>Les trois tapes de traitement</a:t>
+              <a:t>Les trois étapes de traitement</a:t>
             </a:r>
             <a:endParaRPr b="0" lang="fr-FR" sz="4800" spc="-1" strike="noStrike">
               <a:latin typeface="Arial"/>
@@ -11019,7 +11073,7 @@
         <p:spPr>
           <a:xfrm>
             <a:off x="5659920" y="1904040"/>
-            <a:ext cx="5770080" cy="4070880"/>
+            <a:ext cx="5769720" cy="4070520"/>
           </a:xfrm>
           <a:prstGeom prst="rect">
             <a:avLst/>
@@ -11038,7 +11092,7 @@
         <p:spPr>
           <a:xfrm>
             <a:off x="5992200" y="5911560"/>
-            <a:ext cx="4970880" cy="409320"/>
+            <a:ext cx="4970520" cy="409320"/>
           </a:xfrm>
           <a:prstGeom prst="rect">
             <a:avLst/>
@@ -11089,7 +11143,7 @@
         <p:spPr>
           <a:xfrm>
             <a:off x="917280" y="2608920"/>
-            <a:ext cx="4823280" cy="2984400"/>
+            <a:ext cx="4822920" cy="2984040"/>
           </a:xfrm>
           <a:prstGeom prst="rect">
             <a:avLst/>
@@ -11110,7 +11164,7 @@
             <a:normAutofit fontScale="85000"/>
           </a:bodyPr>
           <a:p>
-            <a:pPr marL="91440" indent="-90000">
+            <a:pPr marL="91440" indent="-89640">
               <a:lnSpc>
                 <a:spcPct val="90000"/>
               </a:lnSpc>
@@ -11141,7 +11195,7 @@
             </a:endParaRPr>
           </a:p>
           <a:p>
-            <a:pPr lvl="1" marL="384120" indent="-181440">
+            <a:pPr lvl="1" marL="384120" indent="-181080">
               <a:lnSpc>
                 <a:spcPct val="90000"/>
               </a:lnSpc>
@@ -11182,7 +11236,7 @@
             </a:endParaRPr>
           </a:p>
           <a:p>
-            <a:pPr lvl="1" marL="384120" indent="-181440">
+            <a:pPr lvl="1" marL="384120" indent="-181080">
               <a:lnSpc>
                 <a:spcPct val="90000"/>
               </a:lnSpc>
@@ -11223,7 +11277,7 @@
             </a:endParaRPr>
           </a:p>
           <a:p>
-            <a:pPr lvl="1" marL="384120" indent="-181440">
+            <a:pPr lvl="1" marL="384120" indent="-181080">
               <a:lnSpc>
                 <a:spcPct val="90000"/>
               </a:lnSpc>
@@ -11264,7 +11318,7 @@
             </a:endParaRPr>
           </a:p>
           <a:p>
-            <a:pPr marL="91440" indent="-90000">
+            <a:pPr marL="91440" indent="-89640">
               <a:lnSpc>
                 <a:spcPct val="90000"/>
               </a:lnSpc>
@@ -11367,7 +11421,7 @@
         <p:spPr>
           <a:xfrm>
             <a:off x="1097280" y="286560"/>
-            <a:ext cx="10056960" cy="1449360"/>
+            <a:ext cx="10056600" cy="1449000"/>
           </a:xfrm>
           <a:prstGeom prst="rect">
             <a:avLst/>
@@ -11418,7 +11472,7 @@
         <p:spPr>
           <a:xfrm>
             <a:off x="1097280" y="1845720"/>
-            <a:ext cx="6893640" cy="4021920"/>
+            <a:ext cx="6893280" cy="4021560"/>
           </a:xfrm>
           <a:prstGeom prst="rect">
             <a:avLst/>
@@ -11439,7 +11493,7 @@
             <a:noAutofit/>
           </a:bodyPr>
           <a:p>
-            <a:pPr marL="91440" indent="-90000">
+            <a:pPr marL="91440" indent="-89640">
               <a:lnSpc>
                 <a:spcPct val="90000"/>
               </a:lnSpc>
@@ -11490,7 +11544,7 @@
             </a:endParaRPr>
           </a:p>
           <a:p>
-            <a:pPr marL="91440" indent="-90000">
+            <a:pPr marL="91440" indent="-89640">
               <a:lnSpc>
                 <a:spcPct val="90000"/>
               </a:lnSpc>
@@ -11521,7 +11575,7 @@
             </a:endParaRPr>
           </a:p>
           <a:p>
-            <a:pPr marL="91440" indent="-90000">
+            <a:pPr marL="91440" indent="-89640">
               <a:lnSpc>
                 <a:spcPct val="90000"/>
               </a:lnSpc>
@@ -11552,7 +11606,7 @@
             </a:endParaRPr>
           </a:p>
           <a:p>
-            <a:pPr marL="91440" indent="-90000">
+            <a:pPr marL="91440" indent="-89640">
               <a:lnSpc>
                 <a:spcPct val="90000"/>
               </a:lnSpc>
@@ -11583,7 +11637,7 @@
             </a:endParaRPr>
           </a:p>
           <a:p>
-            <a:pPr marL="91440" indent="-90000">
+            <a:pPr marL="91440" indent="-89640">
               <a:lnSpc>
                 <a:spcPct val="90000"/>
               </a:lnSpc>
@@ -11628,7 +11682,7 @@
         <p:spPr>
           <a:xfrm>
             <a:off x="8271720" y="1935720"/>
-            <a:ext cx="2887200" cy="2887200"/>
+            <a:ext cx="2886840" cy="2886840"/>
           </a:xfrm>
           <a:prstGeom prst="rect">
             <a:avLst/>
@@ -11647,7 +11701,7 @@
         <p:spPr>
           <a:xfrm>
             <a:off x="8352000" y="5050800"/>
-            <a:ext cx="2806920" cy="637200"/>
+            <a:ext cx="2806560" cy="637200"/>
           </a:xfrm>
           <a:prstGeom prst="rect">
             <a:avLst/>
@@ -11748,7 +11802,7 @@
         <p:spPr>
           <a:xfrm>
             <a:off x="1097280" y="286560"/>
-            <a:ext cx="10056960" cy="1449360"/>
+            <a:ext cx="10056600" cy="1449000"/>
           </a:xfrm>
           <a:prstGeom prst="rect">
             <a:avLst/>
@@ -11803,7 +11857,7 @@
         <p:spPr>
           <a:xfrm>
             <a:off x="7122240" y="1812960"/>
-            <a:ext cx="4032000" cy="1971000"/>
+            <a:ext cx="4031640" cy="1970640"/>
           </a:xfrm>
           <a:prstGeom prst="rect">
             <a:avLst/>
@@ -11826,7 +11880,7 @@
         <p:spPr>
           <a:xfrm>
             <a:off x="7303320" y="4120920"/>
-            <a:ext cx="3669840" cy="1879920"/>
+            <a:ext cx="3669480" cy="1879560"/>
           </a:xfrm>
           <a:prstGeom prst="rect">
             <a:avLst/>
@@ -11845,7 +11899,7 @@
         <p:spPr>
           <a:xfrm>
             <a:off x="6744600" y="3785040"/>
-            <a:ext cx="4878720" cy="333000"/>
+            <a:ext cx="4878360" cy="333000"/>
           </a:xfrm>
           <a:prstGeom prst="rect">
             <a:avLst/>
@@ -11896,7 +11950,7 @@
         <p:spPr>
           <a:xfrm>
             <a:off x="6698880" y="5977440"/>
-            <a:ext cx="4878720" cy="211320"/>
+            <a:ext cx="4878360" cy="211320"/>
           </a:xfrm>
           <a:prstGeom prst="rect">
             <a:avLst/>
@@ -11947,7 +12001,7 @@
         <p:spPr>
           <a:xfrm>
             <a:off x="917280" y="2080440"/>
-            <a:ext cx="4823280" cy="3807000"/>
+            <a:ext cx="4822920" cy="3806640"/>
           </a:xfrm>
           <a:prstGeom prst="rect">
             <a:avLst/>
@@ -11968,7 +12022,7 @@
             <a:normAutofit fontScale="85000"/>
           </a:bodyPr>
           <a:p>
-            <a:pPr marL="91440" indent="-90000">
+            <a:pPr marL="91440" indent="-89640">
               <a:lnSpc>
                 <a:spcPct val="90000"/>
               </a:lnSpc>
@@ -12039,7 +12093,7 @@
             </a:endParaRPr>
           </a:p>
           <a:p>
-            <a:pPr marL="91440" indent="-90000">
+            <a:pPr marL="91440" indent="-89640">
               <a:lnSpc>
                 <a:spcPct val="90000"/>
               </a:lnSpc>
@@ -12070,7 +12124,7 @@
             </a:endParaRPr>
           </a:p>
           <a:p>
-            <a:pPr lvl="1" marL="384120" indent="-181440">
+            <a:pPr lvl="1" marL="384120" indent="-181080">
               <a:lnSpc>
                 <a:spcPct val="90000"/>
               </a:lnSpc>
@@ -12121,7 +12175,7 @@
             </a:endParaRPr>
           </a:p>
           <a:p>
-            <a:pPr lvl="1" marL="384120" indent="-181440">
+            <a:pPr lvl="1" marL="384120" indent="-181080">
               <a:lnSpc>
                 <a:spcPct val="90000"/>
               </a:lnSpc>
@@ -12232,7 +12286,7 @@
         <p:spPr>
           <a:xfrm>
             <a:off x="457200" y="594360"/>
-            <a:ext cx="3198960" cy="2284560"/>
+            <a:ext cx="3198600" cy="2284200"/>
           </a:xfrm>
           <a:prstGeom prst="rect">
             <a:avLst/>
@@ -12283,7 +12337,7 @@
         <p:spPr>
           <a:xfrm>
             <a:off x="457200" y="3363840"/>
-            <a:ext cx="3198960" cy="2939760"/>
+            <a:ext cx="3198600" cy="2939400"/>
           </a:xfrm>
           <a:prstGeom prst="rect">
             <a:avLst/>
@@ -12453,7 +12507,7 @@
         <p:spPr>
           <a:xfrm>
             <a:off x="5040000" y="1999080"/>
-            <a:ext cx="5791320" cy="3976200"/>
+            <a:ext cx="5790960" cy="3975840"/>
           </a:xfrm>
           <a:prstGeom prst="rect">
             <a:avLst/>
@@ -12502,7 +12556,7 @@
         <p:spPr>
           <a:xfrm>
             <a:off x="457200" y="594360"/>
-            <a:ext cx="3198960" cy="956160"/>
+            <a:ext cx="3198600" cy="955800"/>
           </a:xfrm>
           <a:prstGeom prst="rect">
             <a:avLst/>
@@ -12520,7 +12574,7 @@
         </p:style>
         <p:txBody>
           <a:bodyPr lIns="90000" rIns="90000" tIns="45000" bIns="45000" anchor="b">
-            <a:normAutofit fontScale="92000"/>
+            <a:normAutofit fontScale="91000"/>
           </a:bodyPr>
           <a:p>
             <a:pPr>
@@ -12567,7 +12621,7 @@
         <p:spPr>
           <a:xfrm>
             <a:off x="5551560" y="731880"/>
-            <a:ext cx="4989960" cy="5256360"/>
+            <a:ext cx="4989600" cy="5256000"/>
           </a:xfrm>
           <a:prstGeom prst="rect">
             <a:avLst/>
@@ -12586,7 +12640,7 @@
         <p:spPr>
           <a:xfrm>
             <a:off x="457200" y="1618920"/>
-            <a:ext cx="3198960" cy="4684680"/>
+            <a:ext cx="3198600" cy="4684320"/>
           </a:xfrm>
           <a:prstGeom prst="rect">
             <a:avLst/>

--- a/FormationGitGithub.pptx
+++ b/FormationGitGithub.pptx
@@ -4132,7 +4132,7 @@
         <p:spPr>
           <a:xfrm>
             <a:off x="0" y="6400800"/>
-            <a:ext cx="12190320" cy="455400"/>
+            <a:ext cx="12189960" cy="455040"/>
           </a:xfrm>
           <a:prstGeom prst="rect">
             <a:avLst/>
@@ -4168,7 +4168,7 @@
         <p:spPr>
           <a:xfrm>
             <a:off x="0" y="6334200"/>
-            <a:ext cx="12190320" cy="64080"/>
+            <a:ext cx="12189960" cy="63720"/>
           </a:xfrm>
           <a:prstGeom prst="rect">
             <a:avLst/>
@@ -4241,7 +4241,7 @@
         <p:spPr>
           <a:xfrm>
             <a:off x="3240" y="6400800"/>
-            <a:ext cx="12187080" cy="455400"/>
+            <a:ext cx="12186720" cy="455040"/>
           </a:xfrm>
           <a:prstGeom prst="rect">
             <a:avLst/>
@@ -4277,7 +4277,7 @@
         <p:spPr>
           <a:xfrm>
             <a:off x="0" y="6334200"/>
-            <a:ext cx="12187080" cy="62280"/>
+            <a:ext cx="12186720" cy="61920"/>
           </a:xfrm>
           <a:prstGeom prst="rect">
             <a:avLst/>
@@ -4610,7 +4610,7 @@
         <p:spPr>
           <a:xfrm>
             <a:off x="0" y="6400800"/>
-            <a:ext cx="12190320" cy="455400"/>
+            <a:ext cx="12189960" cy="455040"/>
           </a:xfrm>
           <a:prstGeom prst="rect">
             <a:avLst/>
@@ -4646,7 +4646,7 @@
         <p:spPr>
           <a:xfrm>
             <a:off x="0" y="6334200"/>
-            <a:ext cx="12190320" cy="64080"/>
+            <a:ext cx="12189960" cy="63720"/>
           </a:xfrm>
           <a:prstGeom prst="rect">
             <a:avLst/>
@@ -4979,7 +4979,7 @@
         <p:spPr>
           <a:xfrm>
             <a:off x="0" y="6400800"/>
-            <a:ext cx="12190320" cy="455400"/>
+            <a:ext cx="12189960" cy="455040"/>
           </a:xfrm>
           <a:prstGeom prst="rect">
             <a:avLst/>
@@ -5015,7 +5015,7 @@
         <p:spPr>
           <a:xfrm>
             <a:off x="0" y="6334200"/>
-            <a:ext cx="12190320" cy="64080"/>
+            <a:ext cx="12189960" cy="63720"/>
           </a:xfrm>
           <a:prstGeom prst="rect">
             <a:avLst/>
@@ -5088,7 +5088,7 @@
         <p:spPr>
           <a:xfrm>
             <a:off x="0" y="0"/>
-            <a:ext cx="4048920" cy="6856200"/>
+            <a:ext cx="4048560" cy="6855840"/>
           </a:xfrm>
           <a:prstGeom prst="rect">
             <a:avLst/>
@@ -5124,7 +5124,7 @@
         <p:spPr>
           <a:xfrm>
             <a:off x="4039920" y="0"/>
-            <a:ext cx="62280" cy="6856200"/>
+            <a:ext cx="61920" cy="6855840"/>
           </a:xfrm>
           <a:prstGeom prst="rect">
             <a:avLst/>
@@ -5413,7 +5413,7 @@
         <p:spPr>
           <a:xfrm>
             <a:off x="1523880" y="1122480"/>
-            <a:ext cx="9142200" cy="2304720"/>
+            <a:ext cx="9141840" cy="2304360"/>
           </a:xfrm>
           <a:prstGeom prst="rect">
             <a:avLst/>
@@ -5464,7 +5464,7 @@
         <p:spPr>
           <a:xfrm>
             <a:off x="1100160" y="4455720"/>
-            <a:ext cx="10056600" cy="1141200"/>
+            <a:ext cx="10056240" cy="1140840"/>
           </a:xfrm>
           <a:prstGeom prst="rect">
             <a:avLst/>
@@ -5500,7 +5500,7 @@
               </a:tabLst>
             </a:pPr>
             <a:r>
-              <a:rPr b="0" lang="de-DE" sz="2400" spc="188" strike="noStrike" cap="all">
+              <a:rPr b="0" lang="de-DE" sz="2400" spc="185" strike="noStrike" cap="all">
                 <a:solidFill>
                   <a:srgbClr val="637052"/>
                 </a:solidFill>
@@ -5529,7 +5529,7 @@
               </a:tabLst>
             </a:pPr>
             <a:r>
-              <a:rPr b="0" lang="de-DE" sz="2400" spc="188" strike="noStrike" cap="all">
+              <a:rPr b="0" lang="de-DE" sz="2400" spc="185" strike="noStrike" cap="all">
                 <a:solidFill>
                   <a:srgbClr val="637052"/>
                 </a:solidFill>
@@ -5558,7 +5558,7 @@
               </a:tabLst>
             </a:pPr>
             <a:r>
-              <a:rPr b="0" lang="de-DE" sz="1300" spc="188" strike="noStrike" cap="all">
+              <a:rPr b="0" lang="de-DE" sz="1300" spc="185" strike="noStrike" cap="all">
                 <a:solidFill>
                   <a:srgbClr val="637052"/>
                 </a:solidFill>
@@ -5587,7 +5587,7 @@
               </a:tabLst>
             </a:pPr>
             <a:r>
-              <a:rPr b="0" lang="de-DE" sz="1300" spc="188" strike="noStrike" cap="all">
+              <a:rPr b="0" lang="de-DE" sz="1300" spc="185" strike="noStrike" cap="all">
                 <a:solidFill>
                   <a:srgbClr val="637052"/>
                 </a:solidFill>
@@ -5615,7 +5615,7 @@
         <p:spPr>
           <a:xfrm>
             <a:off x="1100160" y="651240"/>
-            <a:ext cx="1712880" cy="931680"/>
+            <a:ext cx="1712520" cy="931320"/>
           </a:xfrm>
           <a:prstGeom prst="rect">
             <a:avLst/>
@@ -5638,7 +5638,7 @@
         <p:spPr>
           <a:xfrm>
             <a:off x="5018040" y="655560"/>
-            <a:ext cx="2220840" cy="927000"/>
+            <a:ext cx="2220480" cy="926640"/>
           </a:xfrm>
           <a:prstGeom prst="rect">
             <a:avLst/>
@@ -5661,7 +5661,7 @@
         <p:spPr>
           <a:xfrm>
             <a:off x="9509760" y="656280"/>
-            <a:ext cx="1647000" cy="930600"/>
+            <a:ext cx="1646640" cy="930240"/>
           </a:xfrm>
           <a:prstGeom prst="rect">
             <a:avLst/>
@@ -5710,7 +5710,7 @@
         <p:spPr>
           <a:xfrm>
             <a:off x="457200" y="594360"/>
-            <a:ext cx="3198600" cy="1090080"/>
+            <a:ext cx="3198240" cy="1089720"/>
           </a:xfrm>
           <a:prstGeom prst="rect">
             <a:avLst/>
@@ -5766,7 +5766,7 @@
         <p:spPr>
           <a:xfrm>
             <a:off x="5821920" y="1284480"/>
-            <a:ext cx="4432680" cy="1090080"/>
+            <a:ext cx="4432320" cy="1089720"/>
           </a:xfrm>
           <a:prstGeom prst="rect">
             <a:avLst/>
@@ -5785,7 +5785,7 @@
         <p:spPr>
           <a:xfrm>
             <a:off x="457200" y="1870920"/>
-            <a:ext cx="3198600" cy="4432680"/>
+            <a:ext cx="3198240" cy="4432320"/>
           </a:xfrm>
           <a:prstGeom prst="rect">
             <a:avLst/>
@@ -6048,7 +6048,7 @@
         <p:spPr>
           <a:xfrm>
             <a:off x="5904000" y="2757240"/>
-            <a:ext cx="4432680" cy="985320"/>
+            <a:ext cx="4432320" cy="984960"/>
           </a:xfrm>
           <a:prstGeom prst="rect">
             <a:avLst/>
@@ -6071,7 +6071,7 @@
         <p:spPr>
           <a:xfrm>
             <a:off x="5832000" y="4464000"/>
-            <a:ext cx="4797000" cy="1150560"/>
+            <a:ext cx="4796640" cy="1150200"/>
           </a:xfrm>
           <a:prstGeom prst="rect">
             <a:avLst/>
@@ -6120,7 +6120,7 @@
         <p:spPr>
           <a:xfrm>
             <a:off x="457200" y="1800000"/>
-            <a:ext cx="3198600" cy="4935240"/>
+            <a:ext cx="3198240" cy="4934880"/>
           </a:xfrm>
           <a:prstGeom prst="rect">
             <a:avLst/>
@@ -6319,7 +6319,7 @@
         <p:spPr>
           <a:xfrm>
             <a:off x="5094720" y="2228760"/>
-            <a:ext cx="5704200" cy="3132360"/>
+            <a:ext cx="5703840" cy="3132000"/>
           </a:xfrm>
           <a:prstGeom prst="rect">
             <a:avLst/>
@@ -6338,7 +6338,7 @@
         <p:spPr>
           <a:xfrm>
             <a:off x="457200" y="774360"/>
-            <a:ext cx="3198600" cy="1090080"/>
+            <a:ext cx="3198240" cy="1089720"/>
           </a:xfrm>
           <a:prstGeom prst="rect">
             <a:avLst/>
@@ -6419,7 +6419,7 @@
         <p:spPr>
           <a:xfrm>
             <a:off x="457200" y="594360"/>
-            <a:ext cx="3198600" cy="556560"/>
+            <a:ext cx="3198240" cy="556200"/>
           </a:xfrm>
           <a:prstGeom prst="rect">
             <a:avLst/>
@@ -6480,7 +6480,7 @@
         <p:spPr>
           <a:xfrm>
             <a:off x="457200" y="1368000"/>
-            <a:ext cx="3198600" cy="4935240"/>
+            <a:ext cx="3198240" cy="4934880"/>
           </a:xfrm>
           <a:prstGeom prst="rect">
             <a:avLst/>
@@ -6787,7 +6787,7 @@
         <p:spPr>
           <a:xfrm>
             <a:off x="4248000" y="566280"/>
-            <a:ext cx="1942920" cy="5875200"/>
+            <a:ext cx="1942560" cy="5874840"/>
           </a:xfrm>
           <a:prstGeom prst="rect">
             <a:avLst/>
@@ -6811,7 +6811,7 @@
         <p:spPr>
           <a:xfrm>
             <a:off x="6208200" y="540000"/>
-            <a:ext cx="5958720" cy="1798920"/>
+            <a:ext cx="5958360" cy="1798560"/>
           </a:xfrm>
           <a:prstGeom prst="rect">
             <a:avLst/>
@@ -6834,7 +6834,7 @@
         <p:spPr>
           <a:xfrm>
             <a:off x="6192000" y="2336040"/>
-            <a:ext cx="5686920" cy="4093200"/>
+            <a:ext cx="5686560" cy="4092840"/>
           </a:xfrm>
           <a:prstGeom prst="rect">
             <a:avLst/>
@@ -6883,7 +6883,7 @@
         <p:spPr>
           <a:xfrm>
             <a:off x="457200" y="486360"/>
-            <a:ext cx="3198600" cy="1039680"/>
+            <a:ext cx="3198240" cy="1039320"/>
           </a:xfrm>
           <a:prstGeom prst="rect">
             <a:avLst/>
@@ -6938,7 +6938,7 @@
         <p:spPr>
           <a:xfrm>
             <a:off x="4440600" y="216000"/>
-            <a:ext cx="6788520" cy="2878920"/>
+            <a:ext cx="6788160" cy="2878560"/>
           </a:xfrm>
           <a:prstGeom prst="rect">
             <a:avLst/>
@@ -6957,7 +6957,7 @@
         <p:spPr>
           <a:xfrm>
             <a:off x="457200" y="1728000"/>
-            <a:ext cx="3198600" cy="4426560"/>
+            <a:ext cx="3198240" cy="4426200"/>
           </a:xfrm>
           <a:prstGeom prst="rect">
             <a:avLst/>
@@ -7235,7 +7235,7 @@
         <p:spPr>
           <a:xfrm>
             <a:off x="8424000" y="3312000"/>
-            <a:ext cx="3166920" cy="2314080"/>
+            <a:ext cx="3166560" cy="2313720"/>
           </a:xfrm>
           <a:prstGeom prst="rect">
             <a:avLst/>
@@ -7258,7 +7258,7 @@
         <p:spPr>
           <a:xfrm>
             <a:off x="4592520" y="3334680"/>
-            <a:ext cx="3674520" cy="2280240"/>
+            <a:ext cx="3674160" cy="2279880"/>
           </a:xfrm>
           <a:prstGeom prst="rect">
             <a:avLst/>
@@ -7307,7 +7307,7 @@
         <p:spPr>
           <a:xfrm>
             <a:off x="457200" y="594360"/>
-            <a:ext cx="3198600" cy="2284200"/>
+            <a:ext cx="3198240" cy="2283840"/>
           </a:xfrm>
           <a:prstGeom prst="rect">
             <a:avLst/>
@@ -7362,7 +7362,7 @@
         <p:spPr>
           <a:xfrm>
             <a:off x="4728600" y="1965960"/>
-            <a:ext cx="6491160" cy="3795840"/>
+            <a:ext cx="6490800" cy="3795480"/>
           </a:xfrm>
           <a:prstGeom prst="rect">
             <a:avLst/>
@@ -7381,7 +7381,7 @@
         <p:spPr>
           <a:xfrm>
             <a:off x="457200" y="2926080"/>
-            <a:ext cx="3198600" cy="3377160"/>
+            <a:ext cx="3198240" cy="3376800"/>
           </a:xfrm>
           <a:prstGeom prst="rect">
             <a:avLst/>
@@ -7453,7 +7453,7 @@
                 <a:latin typeface="Calibri"/>
                 <a:ea typeface="DejaVu Sans"/>
               </a:rPr>
-              <a:t>Vous pouvez organisez votre </a:t>
+              <a:t>Vous pouvez organiser votre </a:t>
             </a:r>
             <a:r>
               <a:rPr b="0" i="1" lang="de-DE" sz="1500" spc="-1" strike="noStrike">
@@ -7520,7 +7520,7 @@
         <p:spPr>
           <a:xfrm>
             <a:off x="457200" y="164880"/>
-            <a:ext cx="3198600" cy="1031400"/>
+            <a:ext cx="3198240" cy="1031040"/>
           </a:xfrm>
           <a:prstGeom prst="rect">
             <a:avLst/>
@@ -7581,7 +7581,7 @@
         <p:spPr>
           <a:xfrm>
             <a:off x="457200" y="1310040"/>
-            <a:ext cx="3198600" cy="2437920"/>
+            <a:ext cx="3198240" cy="2437560"/>
           </a:xfrm>
           <a:prstGeom prst="rect">
             <a:avLst/>
@@ -7653,7 +7653,7 @@
                 <a:latin typeface="Calibri"/>
                 <a:ea typeface="DejaVu Sans"/>
               </a:rPr>
-              <a:t>Écrire „hello world“.</a:t>
+              <a:t>Écrivez „hello world“.</a:t>
             </a:r>
             <a:endParaRPr b="0" lang="fr-FR" sz="1500" spc="-1" strike="noStrike">
               <a:latin typeface="Arial"/>
@@ -7711,7 +7711,7 @@
                 <a:latin typeface="Calibri"/>
                 <a:ea typeface="DejaVu Sans"/>
               </a:rPr>
-              <a:t>Donner un titre au commit (faites si possible figurer le titre du fichier modifié).</a:t>
+              <a:t>Donnez un titre au commit (faites si possible figurer le titre du fichier modifié).</a:t>
             </a:r>
             <a:endParaRPr b="0" lang="fr-FR" sz="1500" spc="-1" strike="noStrike">
               <a:latin typeface="Arial"/>
@@ -7820,7 +7820,7 @@
         <p:spPr>
           <a:xfrm>
             <a:off x="4464000" y="1889640"/>
-            <a:ext cx="3615480" cy="4733640"/>
+            <a:ext cx="3615120" cy="4733280"/>
           </a:xfrm>
           <a:prstGeom prst="rect">
             <a:avLst/>
@@ -7843,7 +7843,7 @@
         <p:spPr>
           <a:xfrm>
             <a:off x="457200" y="3861720"/>
-            <a:ext cx="3309120" cy="688680"/>
+            <a:ext cx="3308760" cy="688320"/>
           </a:xfrm>
           <a:prstGeom prst="rect">
             <a:avLst/>
@@ -7862,7 +7862,7 @@
         <p:spPr>
           <a:xfrm>
             <a:off x="457200" y="4664520"/>
-            <a:ext cx="3198600" cy="1898640"/>
+            <a:ext cx="3198240" cy="1898280"/>
           </a:xfrm>
           <a:prstGeom prst="rect">
             <a:avLst/>
@@ -7990,7 +7990,7 @@
         <p:spPr>
           <a:xfrm>
             <a:off x="4512240" y="407160"/>
-            <a:ext cx="6838920" cy="1039680"/>
+            <a:ext cx="6838560" cy="1039320"/>
           </a:xfrm>
           <a:prstGeom prst="rect">
             <a:avLst/>
@@ -8061,7 +8061,7 @@
         <p:spPr>
           <a:xfrm>
             <a:off x="8208000" y="1944000"/>
-            <a:ext cx="3454920" cy="4175280"/>
+            <a:ext cx="3454560" cy="4174920"/>
           </a:xfrm>
           <a:prstGeom prst="rect">
             <a:avLst/>
@@ -8082,7 +8082,7 @@
             <a:noAutofit/>
           </a:bodyPr>
           <a:p>
-            <a:pPr marL="216000" indent="-215280">
+            <a:pPr marL="216000" indent="-214920">
               <a:lnSpc>
                 <a:spcPct val="85000"/>
               </a:lnSpc>
@@ -8138,7 +8138,7 @@
             </a:endParaRPr>
           </a:p>
           <a:p>
-            <a:pPr marL="216000" indent="-215280">
+            <a:pPr marL="216000" indent="-214920">
               <a:lnSpc>
                 <a:spcPct val="85000"/>
               </a:lnSpc>
@@ -8194,7 +8194,7 @@
             </a:endParaRPr>
           </a:p>
           <a:p>
-            <a:pPr marL="216000" indent="-215280">
+            <a:pPr marL="216000" indent="-214920">
               <a:lnSpc>
                 <a:spcPct val="85000"/>
               </a:lnSpc>
@@ -8250,7 +8250,7 @@
             </a:endParaRPr>
           </a:p>
           <a:p>
-            <a:pPr marL="216000" indent="-215280">
+            <a:pPr marL="216000" indent="-214920">
               <a:lnSpc>
                 <a:spcPct val="85000"/>
               </a:lnSpc>
@@ -8326,7 +8326,7 @@
         <p:spPr>
           <a:xfrm>
             <a:off x="4392000" y="471240"/>
-            <a:ext cx="6838920" cy="1039680"/>
+            <a:ext cx="6838560" cy="1039320"/>
           </a:xfrm>
           <a:prstGeom prst="rect">
             <a:avLst/>
@@ -8382,7 +8382,7 @@
         <p:spPr>
           <a:xfrm>
             <a:off x="4436640" y="1958040"/>
-            <a:ext cx="3517920" cy="1709280"/>
+            <a:ext cx="3517560" cy="1708920"/>
           </a:xfrm>
           <a:prstGeom prst="rect">
             <a:avLst/>
@@ -8401,7 +8401,7 @@
         <p:spPr>
           <a:xfrm>
             <a:off x="457200" y="1815840"/>
-            <a:ext cx="3198600" cy="4667400"/>
+            <a:ext cx="3198240" cy="4667040"/>
           </a:xfrm>
           <a:prstGeom prst="rect">
             <a:avLst/>
@@ -8730,7 +8730,7 @@
         <p:spPr>
           <a:xfrm>
             <a:off x="4436640" y="3923280"/>
-            <a:ext cx="3517920" cy="1668960"/>
+            <a:ext cx="3517560" cy="1668600"/>
           </a:xfrm>
           <a:prstGeom prst="rect">
             <a:avLst/>
@@ -8754,7 +8754,7 @@
         <p:spPr>
           <a:xfrm>
             <a:off x="8188920" y="1944000"/>
-            <a:ext cx="3546000" cy="3637440"/>
+            <a:ext cx="3545640" cy="3637080"/>
           </a:xfrm>
           <a:prstGeom prst="rect">
             <a:avLst/>
@@ -8773,7 +8773,7 @@
         <p:spPr>
           <a:xfrm>
             <a:off x="457200" y="549720"/>
-            <a:ext cx="3198600" cy="1039680"/>
+            <a:ext cx="3198240" cy="1039320"/>
           </a:xfrm>
           <a:prstGeom prst="rect">
             <a:avLst/>
@@ -8854,7 +8854,7 @@
         <p:spPr>
           <a:xfrm>
             <a:off x="4432680" y="1944000"/>
-            <a:ext cx="6726600" cy="4667400"/>
+            <a:ext cx="6726240" cy="4667040"/>
           </a:xfrm>
           <a:prstGeom prst="rect">
             <a:avLst/>
@@ -8904,7 +8904,7 @@
             </a:endParaRPr>
           </a:p>
           <a:p>
-            <a:pPr marL="216000" indent="-215280">
+            <a:pPr marL="216000" indent="-214920">
               <a:lnSpc>
                 <a:spcPct val="90000"/>
               </a:lnSpc>
@@ -8948,7 +8948,7 @@
             </a:endParaRPr>
           </a:p>
           <a:p>
-            <a:pPr marL="216000" indent="-215280">
+            <a:pPr marL="216000" indent="-214920">
               <a:lnSpc>
                 <a:spcPct val="90000"/>
               </a:lnSpc>
@@ -8992,7 +8992,7 @@
             </a:endParaRPr>
           </a:p>
           <a:p>
-            <a:pPr marL="216000" indent="-215280">
+            <a:pPr marL="216000" indent="-214920">
               <a:lnSpc>
                 <a:spcPct val="90000"/>
               </a:lnSpc>
@@ -9036,7 +9036,7 @@
             </a:endParaRPr>
           </a:p>
           <a:p>
-            <a:pPr marL="216000" indent="-215280">
+            <a:pPr marL="216000" indent="-214920">
               <a:lnSpc>
                 <a:spcPct val="90000"/>
               </a:lnSpc>
@@ -9119,7 +9119,7 @@
             </a:endParaRPr>
           </a:p>
           <a:p>
-            <a:pPr marL="216000" indent="-215280">
+            <a:pPr marL="216000" indent="-214920">
               <a:lnSpc>
                 <a:spcPct val="90000"/>
               </a:lnSpc>
@@ -9153,7 +9153,7 @@
             </a:endParaRPr>
           </a:p>
           <a:p>
-            <a:pPr marL="216000" indent="-215280">
+            <a:pPr marL="216000" indent="-214920">
               <a:lnSpc>
                 <a:spcPct val="90000"/>
               </a:lnSpc>
@@ -9216,7 +9216,7 @@
         <p:spPr>
           <a:xfrm>
             <a:off x="457200" y="549720"/>
-            <a:ext cx="3198600" cy="3481560"/>
+            <a:ext cx="3198240" cy="3481200"/>
           </a:xfrm>
           <a:prstGeom prst="rect">
             <a:avLst/>
@@ -9297,7 +9297,7 @@
         <p:spPr>
           <a:xfrm>
             <a:off x="457200" y="1815840"/>
-            <a:ext cx="3198600" cy="4667400"/>
+            <a:ext cx="3198240" cy="4667040"/>
           </a:xfrm>
           <a:prstGeom prst="rect">
             <a:avLst/>
@@ -9474,7 +9474,7 @@
             </a:endParaRPr>
           </a:p>
           <a:p>
-            <a:pPr lvl="1" marL="432000" indent="-214920">
+            <a:pPr lvl="1" marL="432000" indent="-214560">
               <a:lnSpc>
                 <a:spcPct val="90000"/>
               </a:lnSpc>
@@ -9509,7 +9509,7 @@
             </a:endParaRPr>
           </a:p>
           <a:p>
-            <a:pPr lvl="1" marL="432000" indent="-214920">
+            <a:pPr lvl="1" marL="432000" indent="-214560">
               <a:lnSpc>
                 <a:spcPct val="90000"/>
               </a:lnSpc>
@@ -9544,7 +9544,7 @@
             </a:endParaRPr>
           </a:p>
           <a:p>
-            <a:pPr lvl="1" marL="432000" indent="-214920">
+            <a:pPr lvl="1" marL="432000" indent="-214560">
               <a:lnSpc>
                 <a:spcPct val="90000"/>
               </a:lnSpc>
@@ -9579,7 +9579,7 @@
             </a:endParaRPr>
           </a:p>
           <a:p>
-            <a:pPr lvl="1" marL="432000" indent="-214920">
+            <a:pPr lvl="1" marL="432000" indent="-214560">
               <a:lnSpc>
                 <a:spcPct val="90000"/>
               </a:lnSpc>
@@ -9703,7 +9703,7 @@
         <p:spPr>
           <a:xfrm>
             <a:off x="457200" y="693720"/>
-            <a:ext cx="3198600" cy="1039680"/>
+            <a:ext cx="3198240" cy="1039320"/>
           </a:xfrm>
           <a:prstGeom prst="rect">
             <a:avLst/>
@@ -9759,7 +9759,7 @@
         <p:spPr>
           <a:xfrm>
             <a:off x="7596000" y="1895760"/>
-            <a:ext cx="4187160" cy="4583160"/>
+            <a:ext cx="4186800" cy="4582800"/>
           </a:xfrm>
           <a:prstGeom prst="rect">
             <a:avLst/>
@@ -9778,7 +9778,7 @@
         <p:spPr>
           <a:xfrm>
             <a:off x="4512240" y="407160"/>
-            <a:ext cx="6838920" cy="1039680"/>
+            <a:ext cx="6838560" cy="1039320"/>
           </a:xfrm>
           <a:prstGeom prst="rect">
             <a:avLst/>
@@ -9849,7 +9849,7 @@
         <p:spPr>
           <a:xfrm>
             <a:off x="4176000" y="1872000"/>
-            <a:ext cx="3310920" cy="3743280"/>
+            <a:ext cx="3310560" cy="3742920"/>
           </a:xfrm>
           <a:prstGeom prst="rect">
             <a:avLst/>
@@ -9870,7 +9870,7 @@
             <a:noAutofit/>
           </a:bodyPr>
           <a:p>
-            <a:pPr marL="216000" indent="-214920">
+            <a:pPr marL="216000" indent="-214560">
               <a:lnSpc>
                 <a:spcPct val="85000"/>
               </a:lnSpc>
@@ -9896,7 +9896,7 @@
             </a:endParaRPr>
           </a:p>
           <a:p>
-            <a:pPr marL="216000" indent="-214920">
+            <a:pPr marL="216000" indent="-214560">
               <a:lnSpc>
                 <a:spcPct val="85000"/>
               </a:lnSpc>
@@ -9922,7 +9922,7 @@
             </a:endParaRPr>
           </a:p>
           <a:p>
-            <a:pPr marL="216000" indent="-214920">
+            <a:pPr marL="216000" indent="-214560">
               <a:lnSpc>
                 <a:spcPct val="85000"/>
               </a:lnSpc>
@@ -9948,7 +9948,7 @@
             </a:endParaRPr>
           </a:p>
           <a:p>
-            <a:pPr marL="216000" indent="-214920">
+            <a:pPr marL="216000" indent="-214560">
               <a:lnSpc>
                 <a:spcPct val="85000"/>
               </a:lnSpc>
@@ -9984,7 +9984,7 @@
             </a:endParaRPr>
           </a:p>
           <a:p>
-            <a:pPr marL="216000" indent="-214920">
+            <a:pPr marL="216000" indent="-214560">
               <a:lnSpc>
                 <a:spcPct val="85000"/>
               </a:lnSpc>
@@ -10070,7 +10070,7 @@
         <p:spPr>
           <a:xfrm>
             <a:off x="1097280" y="286560"/>
-            <a:ext cx="10056600" cy="1449000"/>
+            <a:ext cx="10056240" cy="1448640"/>
           </a:xfrm>
           <a:prstGeom prst="rect">
             <a:avLst/>
@@ -10121,7 +10121,7 @@
         <p:spPr>
           <a:xfrm>
             <a:off x="1097280" y="1845720"/>
-            <a:ext cx="10056600" cy="4021560"/>
+            <a:ext cx="10056240" cy="4021200"/>
           </a:xfrm>
           <a:prstGeom prst="rect">
             <a:avLst/>
@@ -10142,7 +10142,7 @@
             <a:noAutofit/>
           </a:bodyPr>
           <a:p>
-            <a:pPr marL="91440" indent="-89640">
+            <a:pPr marL="91440" indent="-89280">
               <a:lnSpc>
                 <a:spcPct val="90000"/>
               </a:lnSpc>
@@ -10173,7 +10173,7 @@
             </a:endParaRPr>
           </a:p>
           <a:p>
-            <a:pPr marL="91440" indent="-89640">
+            <a:pPr marL="91440" indent="-89280">
               <a:lnSpc>
                 <a:spcPct val="90000"/>
               </a:lnSpc>
@@ -10204,7 +10204,7 @@
             </a:endParaRPr>
           </a:p>
           <a:p>
-            <a:pPr marL="91440" indent="-89640">
+            <a:pPr marL="91440" indent="-89280">
               <a:lnSpc>
                 <a:spcPct val="90000"/>
               </a:lnSpc>
@@ -10257,7 +10257,7 @@
             </a:endParaRPr>
           </a:p>
           <a:p>
-            <a:pPr marL="91440" indent="-89640">
+            <a:pPr marL="91440" indent="-89280">
               <a:lnSpc>
                 <a:spcPct val="90000"/>
               </a:lnSpc>
@@ -10308,7 +10308,7 @@
             </a:endParaRPr>
           </a:p>
           <a:p>
-            <a:pPr marL="91440" indent="-89640">
+            <a:pPr marL="91440" indent="-89280">
               <a:lnSpc>
                 <a:spcPct val="90000"/>
               </a:lnSpc>
@@ -10361,7 +10361,7 @@
             </a:endParaRPr>
           </a:p>
           <a:p>
-            <a:pPr marL="91440" indent="-89640">
+            <a:pPr marL="91440" indent="-89280">
               <a:lnSpc>
                 <a:spcPct val="90000"/>
               </a:lnSpc>
@@ -10392,7 +10392,7 @@
             </a:endParaRPr>
           </a:p>
           <a:p>
-            <a:pPr marL="91440" indent="-89640">
+            <a:pPr marL="91440" indent="-89280">
               <a:lnSpc>
                 <a:spcPct val="90000"/>
               </a:lnSpc>
@@ -10463,7 +10463,7 @@
         <p:spPr>
           <a:xfrm>
             <a:off x="1097280" y="286560"/>
-            <a:ext cx="10056600" cy="1449000"/>
+            <a:ext cx="10056240" cy="1448640"/>
           </a:xfrm>
           <a:prstGeom prst="rect">
             <a:avLst/>
@@ -10514,7 +10514,7 @@
         <p:spPr>
           <a:xfrm>
             <a:off x="1097280" y="2095200"/>
-            <a:ext cx="4664160" cy="3522600"/>
+            <a:ext cx="4663800" cy="3522240"/>
           </a:xfrm>
           <a:prstGeom prst="rect">
             <a:avLst/>
@@ -10535,7 +10535,7 @@
             <a:normAutofit fontScale="51000"/>
           </a:bodyPr>
           <a:p>
-            <a:pPr marL="91440" indent="-89640">
+            <a:pPr marL="91440" indent="-89280">
               <a:lnSpc>
                 <a:spcPct val="90000"/>
               </a:lnSpc>
@@ -10566,7 +10566,7 @@
             </a:endParaRPr>
           </a:p>
           <a:p>
-            <a:pPr marL="91440" indent="-89640">
+            <a:pPr marL="91440" indent="-89280">
               <a:lnSpc>
                 <a:spcPct val="90000"/>
               </a:lnSpc>
@@ -10597,7 +10597,7 @@
             </a:endParaRPr>
           </a:p>
           <a:p>
-            <a:pPr marL="91440" indent="-89640">
+            <a:pPr marL="91440" indent="-89280">
               <a:lnSpc>
                 <a:spcPct val="90000"/>
               </a:lnSpc>
@@ -10628,7 +10628,7 @@
             </a:endParaRPr>
           </a:p>
           <a:p>
-            <a:pPr marL="91440" indent="-89640">
+            <a:pPr marL="91440" indent="-89280">
               <a:lnSpc>
                 <a:spcPct val="90000"/>
               </a:lnSpc>
@@ -10689,7 +10689,7 @@
         <p:spPr>
           <a:xfrm>
             <a:off x="5954760" y="2095200"/>
-            <a:ext cx="5951160" cy="3522600"/>
+            <a:ext cx="5950800" cy="3522240"/>
           </a:xfrm>
           <a:prstGeom prst="rect">
             <a:avLst/>
@@ -10708,7 +10708,7 @@
         <p:spPr>
           <a:xfrm>
             <a:off x="6126480" y="5619600"/>
-            <a:ext cx="4970520" cy="454680"/>
+            <a:ext cx="4970160" cy="454680"/>
           </a:xfrm>
           <a:prstGeom prst="rect">
             <a:avLst/>
@@ -10793,7 +10793,7 @@
         <p:spPr>
           <a:xfrm>
             <a:off x="873360" y="1950840"/>
-            <a:ext cx="4970520" cy="2954520"/>
+            <a:ext cx="4970160" cy="2954160"/>
           </a:xfrm>
           <a:prstGeom prst="rect">
             <a:avLst/>
@@ -10816,7 +10816,7 @@
         <p:spPr>
           <a:xfrm>
             <a:off x="6346080" y="1950840"/>
-            <a:ext cx="4970520" cy="2954520"/>
+            <a:ext cx="4970160" cy="2954160"/>
           </a:xfrm>
           <a:prstGeom prst="rect">
             <a:avLst/>
@@ -10835,7 +10835,7 @@
         <p:spPr>
           <a:xfrm>
             <a:off x="873360" y="5058720"/>
-            <a:ext cx="4970520" cy="637200"/>
+            <a:ext cx="4970160" cy="637200"/>
           </a:xfrm>
           <a:prstGeom prst="rect">
             <a:avLst/>
@@ -10886,7 +10886,7 @@
         <p:spPr>
           <a:xfrm>
             <a:off x="6346080" y="5058720"/>
-            <a:ext cx="4970520" cy="637200"/>
+            <a:ext cx="4970160" cy="637200"/>
           </a:xfrm>
           <a:prstGeom prst="rect">
             <a:avLst/>
@@ -10937,7 +10937,7 @@
         <p:spPr>
           <a:xfrm>
             <a:off x="1097280" y="286560"/>
-            <a:ext cx="10056600" cy="1449000"/>
+            <a:ext cx="10056240" cy="1448640"/>
           </a:xfrm>
           <a:prstGeom prst="rect">
             <a:avLst/>
@@ -11018,7 +11018,7 @@
         <p:spPr>
           <a:xfrm>
             <a:off x="1097280" y="286560"/>
-            <a:ext cx="10056600" cy="1449000"/>
+            <a:ext cx="10056240" cy="1448640"/>
           </a:xfrm>
           <a:prstGeom prst="rect">
             <a:avLst/>
@@ -11073,7 +11073,7 @@
         <p:spPr>
           <a:xfrm>
             <a:off x="5659920" y="1904040"/>
-            <a:ext cx="5769720" cy="4070520"/>
+            <a:ext cx="5769360" cy="4070160"/>
           </a:xfrm>
           <a:prstGeom prst="rect">
             <a:avLst/>
@@ -11092,7 +11092,7 @@
         <p:spPr>
           <a:xfrm>
             <a:off x="5992200" y="5911560"/>
-            <a:ext cx="4970520" cy="409320"/>
+            <a:ext cx="4970160" cy="409320"/>
           </a:xfrm>
           <a:prstGeom prst="rect">
             <a:avLst/>
@@ -11143,7 +11143,7 @@
         <p:spPr>
           <a:xfrm>
             <a:off x="917280" y="2608920"/>
-            <a:ext cx="4822920" cy="2984040"/>
+            <a:ext cx="4822560" cy="2983680"/>
           </a:xfrm>
           <a:prstGeom prst="rect">
             <a:avLst/>
@@ -11164,7 +11164,7 @@
             <a:normAutofit fontScale="85000"/>
           </a:bodyPr>
           <a:p>
-            <a:pPr marL="91440" indent="-89640">
+            <a:pPr marL="91440" indent="-89280">
               <a:lnSpc>
                 <a:spcPct val="90000"/>
               </a:lnSpc>
@@ -11195,7 +11195,7 @@
             </a:endParaRPr>
           </a:p>
           <a:p>
-            <a:pPr lvl="1" marL="384120" indent="-181080">
+            <a:pPr lvl="1" marL="384120" indent="-180720">
               <a:lnSpc>
                 <a:spcPct val="90000"/>
               </a:lnSpc>
@@ -11236,7 +11236,7 @@
             </a:endParaRPr>
           </a:p>
           <a:p>
-            <a:pPr lvl="1" marL="384120" indent="-181080">
+            <a:pPr lvl="1" marL="384120" indent="-180720">
               <a:lnSpc>
                 <a:spcPct val="90000"/>
               </a:lnSpc>
@@ -11277,7 +11277,7 @@
             </a:endParaRPr>
           </a:p>
           <a:p>
-            <a:pPr lvl="1" marL="384120" indent="-181080">
+            <a:pPr lvl="1" marL="384120" indent="-180720">
               <a:lnSpc>
                 <a:spcPct val="90000"/>
               </a:lnSpc>
@@ -11318,7 +11318,7 @@
             </a:endParaRPr>
           </a:p>
           <a:p>
-            <a:pPr marL="91440" indent="-89640">
+            <a:pPr marL="91440" indent="-89280">
               <a:lnSpc>
                 <a:spcPct val="90000"/>
               </a:lnSpc>
@@ -11421,7 +11421,7 @@
         <p:spPr>
           <a:xfrm>
             <a:off x="1097280" y="286560"/>
-            <a:ext cx="10056600" cy="1449000"/>
+            <a:ext cx="10056240" cy="1448640"/>
           </a:xfrm>
           <a:prstGeom prst="rect">
             <a:avLst/>
@@ -11472,7 +11472,7 @@
         <p:spPr>
           <a:xfrm>
             <a:off x="1097280" y="1845720"/>
-            <a:ext cx="6893280" cy="4021560"/>
+            <a:ext cx="6892920" cy="4021200"/>
           </a:xfrm>
           <a:prstGeom prst="rect">
             <a:avLst/>
@@ -11493,7 +11493,7 @@
             <a:noAutofit/>
           </a:bodyPr>
           <a:p>
-            <a:pPr marL="91440" indent="-89640">
+            <a:pPr marL="91440" indent="-89280">
               <a:lnSpc>
                 <a:spcPct val="90000"/>
               </a:lnSpc>
@@ -11544,7 +11544,7 @@
             </a:endParaRPr>
           </a:p>
           <a:p>
-            <a:pPr marL="91440" indent="-89640">
+            <a:pPr marL="91440" indent="-89280">
               <a:lnSpc>
                 <a:spcPct val="90000"/>
               </a:lnSpc>
@@ -11575,7 +11575,7 @@
             </a:endParaRPr>
           </a:p>
           <a:p>
-            <a:pPr marL="91440" indent="-89640">
+            <a:pPr marL="91440" indent="-89280">
               <a:lnSpc>
                 <a:spcPct val="90000"/>
               </a:lnSpc>
@@ -11606,7 +11606,7 @@
             </a:endParaRPr>
           </a:p>
           <a:p>
-            <a:pPr marL="91440" indent="-89640">
+            <a:pPr marL="91440" indent="-89280">
               <a:lnSpc>
                 <a:spcPct val="90000"/>
               </a:lnSpc>
@@ -11637,7 +11637,7 @@
             </a:endParaRPr>
           </a:p>
           <a:p>
-            <a:pPr marL="91440" indent="-89640">
+            <a:pPr marL="91440" indent="-89280">
               <a:lnSpc>
                 <a:spcPct val="90000"/>
               </a:lnSpc>
@@ -11682,7 +11682,7 @@
         <p:spPr>
           <a:xfrm>
             <a:off x="8271720" y="1935720"/>
-            <a:ext cx="2886840" cy="2886840"/>
+            <a:ext cx="2886480" cy="2886480"/>
           </a:xfrm>
           <a:prstGeom prst="rect">
             <a:avLst/>
@@ -11701,7 +11701,7 @@
         <p:spPr>
           <a:xfrm>
             <a:off x="8352000" y="5050800"/>
-            <a:ext cx="2806560" cy="637200"/>
+            <a:ext cx="2806200" cy="637200"/>
           </a:xfrm>
           <a:prstGeom prst="rect">
             <a:avLst/>
@@ -11802,7 +11802,7 @@
         <p:spPr>
           <a:xfrm>
             <a:off x="1097280" y="286560"/>
-            <a:ext cx="10056600" cy="1449000"/>
+            <a:ext cx="10056240" cy="1448640"/>
           </a:xfrm>
           <a:prstGeom prst="rect">
             <a:avLst/>
@@ -11857,7 +11857,7 @@
         <p:spPr>
           <a:xfrm>
             <a:off x="7122240" y="1812960"/>
-            <a:ext cx="4031640" cy="1970640"/>
+            <a:ext cx="4031280" cy="1970280"/>
           </a:xfrm>
           <a:prstGeom prst="rect">
             <a:avLst/>
@@ -11880,7 +11880,7 @@
         <p:spPr>
           <a:xfrm>
             <a:off x="7303320" y="4120920"/>
-            <a:ext cx="3669480" cy="1879560"/>
+            <a:ext cx="3669120" cy="1879200"/>
           </a:xfrm>
           <a:prstGeom prst="rect">
             <a:avLst/>
@@ -11899,7 +11899,7 @@
         <p:spPr>
           <a:xfrm>
             <a:off x="6744600" y="3785040"/>
-            <a:ext cx="4878360" cy="333000"/>
+            <a:ext cx="4878000" cy="333000"/>
           </a:xfrm>
           <a:prstGeom prst="rect">
             <a:avLst/>
@@ -11950,7 +11950,7 @@
         <p:spPr>
           <a:xfrm>
             <a:off x="6698880" y="5977440"/>
-            <a:ext cx="4878360" cy="211320"/>
+            <a:ext cx="4878000" cy="211320"/>
           </a:xfrm>
           <a:prstGeom prst="rect">
             <a:avLst/>
@@ -12001,7 +12001,7 @@
         <p:spPr>
           <a:xfrm>
             <a:off x="917280" y="2080440"/>
-            <a:ext cx="4822920" cy="3806640"/>
+            <a:ext cx="4822560" cy="3806280"/>
           </a:xfrm>
           <a:prstGeom prst="rect">
             <a:avLst/>
@@ -12022,7 +12022,7 @@
             <a:normAutofit fontScale="85000"/>
           </a:bodyPr>
           <a:p>
-            <a:pPr marL="91440" indent="-89640">
+            <a:pPr marL="91440" indent="-89280">
               <a:lnSpc>
                 <a:spcPct val="90000"/>
               </a:lnSpc>
@@ -12093,7 +12093,7 @@
             </a:endParaRPr>
           </a:p>
           <a:p>
-            <a:pPr marL="91440" indent="-89640">
+            <a:pPr marL="91440" indent="-89280">
               <a:lnSpc>
                 <a:spcPct val="90000"/>
               </a:lnSpc>
@@ -12124,7 +12124,7 @@
             </a:endParaRPr>
           </a:p>
           <a:p>
-            <a:pPr lvl="1" marL="384120" indent="-181080">
+            <a:pPr lvl="1" marL="384120" indent="-180720">
               <a:lnSpc>
                 <a:spcPct val="90000"/>
               </a:lnSpc>
@@ -12175,7 +12175,7 @@
             </a:endParaRPr>
           </a:p>
           <a:p>
-            <a:pPr lvl="1" marL="384120" indent="-181080">
+            <a:pPr lvl="1" marL="384120" indent="-180720">
               <a:lnSpc>
                 <a:spcPct val="90000"/>
               </a:lnSpc>
@@ -12286,7 +12286,7 @@
         <p:spPr>
           <a:xfrm>
             <a:off x="457200" y="594360"/>
-            <a:ext cx="3198600" cy="2284200"/>
+            <a:ext cx="3198240" cy="2283840"/>
           </a:xfrm>
           <a:prstGeom prst="rect">
             <a:avLst/>
@@ -12337,7 +12337,7 @@
         <p:spPr>
           <a:xfrm>
             <a:off x="457200" y="3363840"/>
-            <a:ext cx="3198600" cy="2939400"/>
+            <a:ext cx="3198240" cy="2939040"/>
           </a:xfrm>
           <a:prstGeom prst="rect">
             <a:avLst/>
@@ -12507,7 +12507,7 @@
         <p:spPr>
           <a:xfrm>
             <a:off x="5040000" y="1999080"/>
-            <a:ext cx="5790960" cy="3975840"/>
+            <a:ext cx="5790600" cy="3975480"/>
           </a:xfrm>
           <a:prstGeom prst="rect">
             <a:avLst/>
@@ -12556,7 +12556,7 @@
         <p:spPr>
           <a:xfrm>
             <a:off x="457200" y="594360"/>
-            <a:ext cx="3198600" cy="955800"/>
+            <a:ext cx="3198240" cy="955440"/>
           </a:xfrm>
           <a:prstGeom prst="rect">
             <a:avLst/>
@@ -12621,7 +12621,7 @@
         <p:spPr>
           <a:xfrm>
             <a:off x="5551560" y="731880"/>
-            <a:ext cx="4989600" cy="5256000"/>
+            <a:ext cx="4989240" cy="5255640"/>
           </a:xfrm>
           <a:prstGeom prst="rect">
             <a:avLst/>
@@ -12640,7 +12640,7 @@
         <p:spPr>
           <a:xfrm>
             <a:off x="457200" y="1618920"/>
-            <a:ext cx="3198600" cy="4684320"/>
+            <a:ext cx="3198240" cy="4683960"/>
           </a:xfrm>
           <a:prstGeom prst="rect">
             <a:avLst/>
